--- a/unsorted/ps dev training/source ppt slides/Riak 202a - Conflicts and Resolution.pptx
+++ b/unsorted/ps dev training/source ppt slides/Riak 202a - Conflicts and Resolution.pptx
@@ -12,7 +12,7 @@
     <p:sldId id="308" r:id="rId3"/>
     <p:sldId id="327" r:id="rId4"/>
     <p:sldId id="358" r:id="rId5"/>
-    <p:sldId id="359" r:id="rId6"/>
+    <p:sldId id="415" r:id="rId6"/>
     <p:sldId id="360" r:id="rId7"/>
     <p:sldId id="361" r:id="rId8"/>
     <p:sldId id="362" r:id="rId9"/>
@@ -846,11 +846,7 @@
           <a:p>
             <a:r>
               <a:rPr lang="en-US" baseline="0" dirty="0" smtClean="0"/>
-              <a:t>-</a:t>
-            </a:r>
-            <a:r>
-              <a:rPr lang="en-US" baseline="0" dirty="0" smtClean="0"/>
-              <a:t>- race condition</a:t>
+              <a:t>-- race condition</a:t>
             </a:r>
           </a:p>
           <a:p>
@@ -885,7 +881,6 @@
               <a:rPr lang="en-US" baseline="0" dirty="0" smtClean="0"/>
               <a:t>So, how would you resolve this?</a:t>
             </a:r>
-            <a:endParaRPr lang="en-US" baseline="0" dirty="0" smtClean="0"/>
           </a:p>
         </p:txBody>
       </p:sp>
@@ -1062,11 +1057,7 @@
           <a:p>
             <a:r>
               <a:rPr lang="en-US" baseline="0" dirty="0" smtClean="0"/>
-              <a:t>-</a:t>
-            </a:r>
-            <a:r>
-              <a:rPr lang="en-US" baseline="0" dirty="0" smtClean="0"/>
-              <a:t>- Wall clock – siblings off, no </a:t>
+              <a:t>-- Wall clock – siblings off, no </a:t>
             </a:r>
             <a:r>
               <a:rPr lang="en-US" baseline="0" dirty="0" err="1" smtClean="0"/>
@@ -1076,7 +1067,6 @@
               <a:rPr lang="en-US" baseline="0" dirty="0" smtClean="0"/>
               <a:t>. (or LWW)</a:t>
             </a:r>
-            <a:endParaRPr lang="en-US" baseline="0" dirty="0" smtClean="0"/>
           </a:p>
         </p:txBody>
       </p:sp>
@@ -1275,7 +1265,6 @@
               <a:rPr lang="en-US" baseline="0" dirty="0" smtClean="0"/>
               <a:t>Option #3… keep both!</a:t>
             </a:r>
-            <a:endParaRPr lang="en-US" baseline="0" dirty="0" smtClean="0"/>
           </a:p>
         </p:txBody>
       </p:sp>
@@ -1861,13 +1850,8 @@
           <a:p>
             <a:r>
               <a:rPr lang="en-US" baseline="0" dirty="0" smtClean="0"/>
-              <a:t>-</a:t>
+              <a:t>--</a:t>
             </a:r>
-            <a:r>
-              <a:rPr lang="en-US" baseline="0" dirty="0" smtClean="0"/>
-              <a:t>- replication</a:t>
-            </a:r>
-            <a:endParaRPr lang="en-US" baseline="0" dirty="0" smtClean="0"/>
           </a:p>
         </p:txBody>
       </p:sp>
@@ -2057,7 +2041,6 @@
               <a:rPr lang="en-US" baseline="0" dirty="0" smtClean="0"/>
               <a:t>- Pick one, 3 by default, don’t change in-flight</a:t>
             </a:r>
-            <a:endParaRPr lang="en-US" baseline="0" dirty="0" smtClean="0"/>
           </a:p>
         </p:txBody>
       </p:sp>
@@ -11471,23 +11454,7 @@
                 <a:cs typeface="Franklin Gothic Medium"/>
                 <a:sym typeface="Gill Sans" charset="0"/>
               </a:rPr>
-              <a:t>what did I </a:t>
-            </a:r>
-            <a:r>
-              <a:rPr kumimoji="0" lang="en-US" sz="2000" b="0" i="0" u="none" strike="noStrike" cap="none" normalizeH="0" baseline="0" dirty="0" smtClean="0">
-                <a:ln>
-                  <a:noFill/>
-                </a:ln>
-                <a:solidFill>
-                  <a:srgbClr val="000000"/>
-                </a:solidFill>
-                <a:effectLst/>
-                <a:latin typeface="Franklin Gothic Medium"/>
-                <a:ea typeface="ヒラギノ角ゴ ProN W3" charset="0"/>
-                <a:cs typeface="Franklin Gothic Medium"/>
-                <a:sym typeface="Gill Sans" charset="0"/>
-              </a:rPr>
-              <a:t>store</a:t>
+              <a:t>what did I store</a:t>
             </a:r>
             <a:r>
               <a:rPr kumimoji="0" lang="en-US" sz="2000" b="0" i="0" u="none" strike="noStrike" cap="none" normalizeH="0" dirty="0" smtClean="0">
@@ -14670,23 +14637,7 @@
                 <a:cs typeface="Franklin Gothic Medium"/>
                 <a:sym typeface="Gill Sans" charset="0"/>
               </a:rPr>
-              <a:t>what did I </a:t>
-            </a:r>
-            <a:r>
-              <a:rPr kumimoji="0" lang="en-US" sz="2000" b="0" i="0" u="none" strike="noStrike" cap="none" normalizeH="0" baseline="0" dirty="0" smtClean="0">
-                <a:ln>
-                  <a:noFill/>
-                </a:ln>
-                <a:solidFill>
-                  <a:srgbClr val="000000"/>
-                </a:solidFill>
-                <a:effectLst/>
-                <a:latin typeface="Franklin Gothic Medium"/>
-                <a:ea typeface="ヒラギノ角ゴ ProN W3" charset="0"/>
-                <a:cs typeface="Franklin Gothic Medium"/>
-                <a:sym typeface="Gill Sans" charset="0"/>
-              </a:rPr>
-              <a:t>store</a:t>
+              <a:t>what did I store</a:t>
             </a:r>
             <a:r>
               <a:rPr kumimoji="0" lang="en-US" sz="2000" b="0" i="0" u="none" strike="noStrike" cap="none" normalizeH="0" dirty="0" smtClean="0">
@@ -16518,7 +16469,6 @@
               <a:rPr lang="en-US" sz="4000" dirty="0"/>
               <a:t>Off to the Races</a:t>
             </a:r>
-            <a:endParaRPr lang="en-US" sz="4000" dirty="0"/>
           </a:p>
         </p:txBody>
       </p:sp>
@@ -19391,376 +19341,6 @@
           </a:p>
         </p:txBody>
       </p:sp>
-      <p:pic>
-        <p:nvPicPr>
-          <p:cNvPr id="22" name="Picture 21"/>
-          <p:cNvPicPr>
-            <a:picLocks noChangeAspect="1"/>
-          </p:cNvPicPr>
-          <p:nvPr/>
-        </p:nvPicPr>
-        <p:blipFill>
-          <a:blip r:embed="rId4" cstate="screen">
-            <a:extLst>
-              <a:ext uri="{28A0092B-C50C-407E-A947-70E740481C1C}">
-                <a14:useLocalDpi xmlns:a14="http://schemas.microsoft.com/office/drawing/2010/main"/>
-              </a:ext>
-            </a:extLst>
-          </a:blip>
-          <a:stretch>
-            <a:fillRect/>
-          </a:stretch>
-        </p:blipFill>
-        <p:spPr>
-          <a:xfrm>
-            <a:off x="678723" y="501322"/>
-            <a:ext cx="1464246" cy="2051062"/>
-          </a:xfrm>
-          <a:prstGeom prst="rect">
-            <a:avLst/>
-          </a:prstGeom>
-        </p:spPr>
-      </p:pic>
-      <p:pic>
-        <p:nvPicPr>
-          <p:cNvPr id="24" name="Picture 23"/>
-          <p:cNvPicPr>
-            <a:picLocks noChangeAspect="1"/>
-          </p:cNvPicPr>
-          <p:nvPr/>
-        </p:nvPicPr>
-        <p:blipFill>
-          <a:blip r:embed="rId4" cstate="screen">
-            <a:extLst>
-              <a:ext uri="{28A0092B-C50C-407E-A947-70E740481C1C}">
-                <a14:useLocalDpi xmlns:a14="http://schemas.microsoft.com/office/drawing/2010/main"/>
-              </a:ext>
-            </a:extLst>
-          </a:blip>
-          <a:stretch>
-            <a:fillRect/>
-          </a:stretch>
-        </p:blipFill>
-        <p:spPr>
-          <a:xfrm>
-            <a:off x="678723" y="3893530"/>
-            <a:ext cx="1464246" cy="2051062"/>
-          </a:xfrm>
-          <a:prstGeom prst="rect">
-            <a:avLst/>
-          </a:prstGeom>
-        </p:spPr>
-      </p:pic>
-      <p:pic>
-        <p:nvPicPr>
-          <p:cNvPr id="27" name="Picture 26"/>
-          <p:cNvPicPr>
-            <a:picLocks noChangeAspect="1"/>
-          </p:cNvPicPr>
-          <p:nvPr/>
-        </p:nvPicPr>
-        <p:blipFill>
-          <a:blip r:embed="rId4" cstate="screen">
-            <a:extLst>
-              <a:ext uri="{28A0092B-C50C-407E-A947-70E740481C1C}">
-                <a14:useLocalDpi xmlns:a14="http://schemas.microsoft.com/office/drawing/2010/main"/>
-              </a:ext>
-            </a:extLst>
-          </a:blip>
-          <a:stretch>
-            <a:fillRect/>
-          </a:stretch>
-        </p:blipFill>
-        <p:spPr>
-          <a:xfrm>
-            <a:off x="6983529" y="501322"/>
-            <a:ext cx="1464246" cy="2051062"/>
-          </a:xfrm>
-          <a:prstGeom prst="rect">
-            <a:avLst/>
-          </a:prstGeom>
-        </p:spPr>
-      </p:pic>
-      <p:pic>
-        <p:nvPicPr>
-          <p:cNvPr id="28" name="Picture 27"/>
-          <p:cNvPicPr>
-            <a:picLocks noChangeAspect="1"/>
-          </p:cNvPicPr>
-          <p:nvPr/>
-        </p:nvPicPr>
-        <p:blipFill>
-          <a:blip r:embed="rId4" cstate="screen">
-            <a:extLst>
-              <a:ext uri="{28A0092B-C50C-407E-A947-70E740481C1C}">
-                <a14:useLocalDpi xmlns:a14="http://schemas.microsoft.com/office/drawing/2010/main"/>
-              </a:ext>
-            </a:extLst>
-          </a:blip>
-          <a:stretch>
-            <a:fillRect/>
-          </a:stretch>
-        </p:blipFill>
-        <p:spPr>
-          <a:xfrm>
-            <a:off x="6983529" y="3893530"/>
-            <a:ext cx="1464246" cy="2051062"/>
-          </a:xfrm>
-          <a:prstGeom prst="rect">
-            <a:avLst/>
-          </a:prstGeom>
-        </p:spPr>
-      </p:pic>
-      <p:pic>
-        <p:nvPicPr>
-          <p:cNvPr id="26" name="Content Placeholder 6"/>
-          <p:cNvPicPr>
-            <a:picLocks noChangeAspect="1"/>
-          </p:cNvPicPr>
-          <p:nvPr/>
-        </p:nvPicPr>
-        <p:blipFill>
-          <a:blip r:embed="rId3" cstate="screen">
-            <a:duotone>
-              <a:prstClr val="black"/>
-              <a:srgbClr val="FF0C00">
-                <a:tint val="45000"/>
-                <a:satMod val="400000"/>
-              </a:srgbClr>
-            </a:duotone>
-            <a:extLst>
-              <a:ext uri="{28A0092B-C50C-407E-A947-70E740481C1C}">
-                <a14:useLocalDpi xmlns:a14="http://schemas.microsoft.com/office/drawing/2010/main"/>
-              </a:ext>
-            </a:extLst>
-          </a:blip>
-          <a:srcRect l="-57666" r="-57666"/>
-          <a:stretch>
-            <a:fillRect/>
-          </a:stretch>
-        </p:blipFill>
-        <p:spPr bwMode="auto">
-          <a:xfrm flipH="1">
-            <a:off x="190853" y="1978307"/>
-            <a:ext cx="1755335" cy="815180"/>
-          </a:xfrm>
-          <a:prstGeom prst="rect">
-            <a:avLst/>
-          </a:prstGeom>
-          <a:noFill/>
-          <a:ln>
-            <a:noFill/>
-          </a:ln>
-          <a:effectLst/>
-          <a:extLst/>
-        </p:spPr>
-      </p:pic>
-      <p:pic>
-        <p:nvPicPr>
-          <p:cNvPr id="29" name="Content Placeholder 6"/>
-          <p:cNvPicPr>
-            <a:picLocks noChangeAspect="1"/>
-          </p:cNvPicPr>
-          <p:nvPr/>
-        </p:nvPicPr>
-        <p:blipFill>
-          <a:blip r:embed="rId3" cstate="screen">
-            <a:duotone>
-              <a:prstClr val="black"/>
-              <a:srgbClr val="37FF00">
-                <a:tint val="45000"/>
-                <a:satMod val="400000"/>
-              </a:srgbClr>
-            </a:duotone>
-            <a:extLst>
-              <a:ext uri="{28A0092B-C50C-407E-A947-70E740481C1C}">
-                <a14:useLocalDpi xmlns:a14="http://schemas.microsoft.com/office/drawing/2010/main"/>
-              </a:ext>
-            </a:extLst>
-          </a:blip>
-          <a:srcRect l="-57666" r="-57666"/>
-          <a:stretch>
-            <a:fillRect/>
-          </a:stretch>
-        </p:blipFill>
-        <p:spPr bwMode="auto">
-          <a:xfrm flipH="1">
-            <a:off x="7210901" y="1951375"/>
-            <a:ext cx="1755335" cy="815180"/>
-          </a:xfrm>
-          <a:prstGeom prst="rect">
-            <a:avLst/>
-          </a:prstGeom>
-          <a:noFill/>
-          <a:ln>
-            <a:noFill/>
-          </a:ln>
-          <a:effectLst/>
-          <a:extLst>
-            <a:ext uri="{909E8E84-426E-40dd-AFC4-6F175D3DCCD1}">
-              <a14:hiddenFill xmlns:a14="http://schemas.microsoft.com/office/drawing/2010/main">
-                <a:solidFill>
-                  <a:srgbClr val="FFFFFF"/>
-                </a:solidFill>
-              </a14:hiddenFill>
-            </a:ext>
-            <a:ext uri="{91240B29-F687-4f45-9708-019B960494DF}">
-              <a14:hiddenLine xmlns:a14="http://schemas.microsoft.com/office/drawing/2010/main" w="9525">
-                <a:solidFill>
-                  <a:schemeClr val="tx1"/>
-                </a:solidFill>
-                <a:miter lim="800000"/>
-                <a:headEnd/>
-                <a:tailEnd/>
-              </a14:hiddenLine>
-            </a:ext>
-            <a:ext uri="{AF507438-7753-43e0-B8FC-AC1667EBCBE1}">
-              <a14:hiddenEffects xmlns:a14="http://schemas.microsoft.com/office/drawing/2010/main">
-                <a:effectLst>
-                  <a:outerShdw dist="35921" dir="2700000" algn="ctr" rotWithShape="0">
-                    <a:srgbClr val="808080"/>
-                  </a:outerShdw>
-                </a:effectLst>
-              </a14:hiddenEffects>
-            </a:ext>
-          </a:extLst>
-        </p:spPr>
-      </p:pic>
-      <p:pic>
-        <p:nvPicPr>
-          <p:cNvPr id="30" name="Content Placeholder 6"/>
-          <p:cNvPicPr>
-            <a:picLocks noChangeAspect="1"/>
-          </p:cNvPicPr>
-          <p:nvPr/>
-        </p:nvPicPr>
-        <p:blipFill>
-          <a:blip r:embed="rId3" cstate="screen">
-            <a:duotone>
-              <a:prstClr val="black"/>
-              <a:srgbClr val="4C00FF">
-                <a:tint val="45000"/>
-                <a:satMod val="400000"/>
-              </a:srgbClr>
-            </a:duotone>
-            <a:extLst>
-              <a:ext uri="{28A0092B-C50C-407E-A947-70E740481C1C}">
-                <a14:useLocalDpi xmlns:a14="http://schemas.microsoft.com/office/drawing/2010/main"/>
-              </a:ext>
-            </a:extLst>
-          </a:blip>
-          <a:srcRect l="-57666" r="-57666"/>
-          <a:stretch>
-            <a:fillRect/>
-          </a:stretch>
-        </p:blipFill>
-        <p:spPr bwMode="auto">
-          <a:xfrm flipH="1">
-            <a:off x="7171712" y="5372171"/>
-            <a:ext cx="1755335" cy="815180"/>
-          </a:xfrm>
-          <a:prstGeom prst="rect">
-            <a:avLst/>
-          </a:prstGeom>
-          <a:noFill/>
-          <a:ln>
-            <a:noFill/>
-          </a:ln>
-          <a:effectLst/>
-          <a:extLst>
-            <a:ext uri="{909E8E84-426E-40dd-AFC4-6F175D3DCCD1}">
-              <a14:hiddenFill xmlns:a14="http://schemas.microsoft.com/office/drawing/2010/main">
-                <a:solidFill>
-                  <a:srgbClr val="FFFFFF"/>
-                </a:solidFill>
-              </a14:hiddenFill>
-            </a:ext>
-            <a:ext uri="{91240B29-F687-4f45-9708-019B960494DF}">
-              <a14:hiddenLine xmlns:a14="http://schemas.microsoft.com/office/drawing/2010/main" w="9525">
-                <a:solidFill>
-                  <a:schemeClr val="tx1"/>
-                </a:solidFill>
-                <a:miter lim="800000"/>
-                <a:headEnd/>
-                <a:tailEnd/>
-              </a14:hiddenLine>
-            </a:ext>
-            <a:ext uri="{AF507438-7753-43e0-B8FC-AC1667EBCBE1}">
-              <a14:hiddenEffects xmlns:a14="http://schemas.microsoft.com/office/drawing/2010/main">
-                <a:effectLst>
-                  <a:outerShdw dist="35921" dir="2700000" algn="ctr" rotWithShape="0">
-                    <a:srgbClr val="808080"/>
-                  </a:outerShdw>
-                </a:effectLst>
-              </a14:hiddenEffects>
-            </a:ext>
-          </a:extLst>
-        </p:spPr>
-      </p:pic>
-      <p:pic>
-        <p:nvPicPr>
-          <p:cNvPr id="31" name="Content Placeholder 6"/>
-          <p:cNvPicPr>
-            <a:picLocks noChangeAspect="1"/>
-          </p:cNvPicPr>
-          <p:nvPr/>
-        </p:nvPicPr>
-        <p:blipFill>
-          <a:blip r:embed="rId3" cstate="screen">
-            <a:extLst>
-              <a:ext uri="{28A0092B-C50C-407E-A947-70E740481C1C}">
-                <a14:useLocalDpi xmlns:a14="http://schemas.microsoft.com/office/drawing/2010/main"/>
-              </a:ext>
-            </a:extLst>
-          </a:blip>
-          <a:srcRect l="-57666" r="-57666"/>
-          <a:stretch>
-            <a:fillRect/>
-          </a:stretch>
-        </p:blipFill>
-        <p:spPr bwMode="auto">
-          <a:xfrm flipH="1">
-            <a:off x="117357" y="5372823"/>
-            <a:ext cx="1755335" cy="815180"/>
-          </a:xfrm>
-          <a:prstGeom prst="rect">
-            <a:avLst/>
-          </a:prstGeom>
-          <a:noFill/>
-          <a:ln>
-            <a:noFill/>
-          </a:ln>
-          <a:effectLst/>
-          <a:extLst>
-            <a:ext uri="{909E8E84-426E-40dd-AFC4-6F175D3DCCD1}">
-              <a14:hiddenFill xmlns:a14="http://schemas.microsoft.com/office/drawing/2010/main">
-                <a:solidFill>
-                  <a:srgbClr val="FFFFFF"/>
-                </a:solidFill>
-              </a14:hiddenFill>
-            </a:ext>
-            <a:ext uri="{91240B29-F687-4f45-9708-019B960494DF}">
-              <a14:hiddenLine xmlns:a14="http://schemas.microsoft.com/office/drawing/2010/main" w="9525">
-                <a:solidFill>
-                  <a:schemeClr val="tx1"/>
-                </a:solidFill>
-                <a:miter lim="800000"/>
-                <a:headEnd/>
-                <a:tailEnd/>
-              </a14:hiddenLine>
-            </a:ext>
-            <a:ext uri="{AF507438-7753-43e0-B8FC-AC1667EBCBE1}">
-              <a14:hiddenEffects xmlns:a14="http://schemas.microsoft.com/office/drawing/2010/main">
-                <a:effectLst>
-                  <a:outerShdw dist="35921" dir="2700000" algn="ctr" rotWithShape="0">
-                    <a:srgbClr val="808080"/>
-                  </a:outerShdw>
-                </a:effectLst>
-              </a14:hiddenEffects>
-            </a:ext>
-          </a:extLst>
-        </p:spPr>
-      </p:pic>
       <p:cxnSp>
         <p:nvCxnSpPr>
           <p:cNvPr id="10" name="Straight Arrow Connector 9"/>
@@ -19890,7 +19470,7 @@
           <p:nvPr/>
         </p:nvPicPr>
         <p:blipFill>
-          <a:blip r:embed="rId5" cstate="screen">
+          <a:blip r:embed="rId4" cstate="screen">
             <a:extLst>
               <a:ext uri="{28A0092B-C50C-407E-A947-70E740481C1C}">
                 <a14:useLocalDpi xmlns:a14="http://schemas.microsoft.com/office/drawing/2010/main"/>
@@ -19903,18 +19483,1378 @@
         </p:blipFill>
         <p:spPr>
           <a:xfrm>
-            <a:off x="3560566" y="1769519"/>
-            <a:ext cx="1130836" cy="2261672"/>
+            <a:off x="3548471" y="2313805"/>
+            <a:ext cx="832765" cy="1665529"/>
           </a:xfrm>
           <a:prstGeom prst="rect">
             <a:avLst/>
           </a:prstGeom>
         </p:spPr>
       </p:pic>
+      <p:grpSp>
+        <p:nvGrpSpPr>
+          <p:cNvPr id="2" name="Group 1"/>
+          <p:cNvGrpSpPr/>
+          <p:nvPr/>
+        </p:nvGrpSpPr>
+        <p:grpSpPr>
+          <a:xfrm>
+            <a:off x="-168508" y="157238"/>
+            <a:ext cx="2137613" cy="2291647"/>
+            <a:chOff x="472540" y="501322"/>
+            <a:chExt cx="2599484" cy="2786799"/>
+          </a:xfrm>
+        </p:grpSpPr>
+        <p:pic>
+          <p:nvPicPr>
+            <p:cNvPr id="33" name="Picture 32"/>
+            <p:cNvPicPr>
+              <a:picLocks noChangeAspect="1"/>
+            </p:cNvPicPr>
+            <p:nvPr/>
+          </p:nvPicPr>
+          <p:blipFill>
+            <a:blip r:embed="rId5" cstate="screen">
+              <a:extLst>
+                <a:ext uri="{28A0092B-C50C-407E-A947-70E740481C1C}">
+                  <a14:useLocalDpi xmlns:a14="http://schemas.microsoft.com/office/drawing/2010/main"/>
+                </a:ext>
+              </a:extLst>
+            </a:blip>
+            <a:stretch>
+              <a:fillRect/>
+            </a:stretch>
+          </p:blipFill>
+          <p:spPr>
+            <a:xfrm>
+              <a:off x="1028553" y="501322"/>
+              <a:ext cx="1464246" cy="2051062"/>
+            </a:xfrm>
+            <a:prstGeom prst="rect">
+              <a:avLst/>
+            </a:prstGeom>
+          </p:spPr>
+        </p:pic>
+        <p:pic>
+          <p:nvPicPr>
+            <p:cNvPr id="34" name="Content Placeholder 6"/>
+            <p:cNvPicPr>
+              <a:picLocks noChangeAspect="1"/>
+            </p:cNvPicPr>
+            <p:nvPr/>
+          </p:nvPicPr>
+          <p:blipFill>
+            <a:blip r:embed="rId3" cstate="screen">
+              <a:duotone>
+                <a:prstClr val="black"/>
+                <a:srgbClr val="FF0C00">
+                  <a:tint val="45000"/>
+                  <a:satMod val="400000"/>
+                </a:srgbClr>
+              </a:duotone>
+              <a:extLst>
+                <a:ext uri="{28A0092B-C50C-407E-A947-70E740481C1C}">
+                  <a14:useLocalDpi xmlns:a14="http://schemas.microsoft.com/office/drawing/2010/main"/>
+                </a:ext>
+              </a:extLst>
+            </a:blip>
+            <a:srcRect l="-57666" r="-57666"/>
+            <a:stretch>
+              <a:fillRect/>
+            </a:stretch>
+          </p:blipFill>
+          <p:spPr bwMode="auto">
+            <a:xfrm flipH="1">
+              <a:off x="548288" y="1978307"/>
+              <a:ext cx="1755335" cy="815180"/>
+            </a:xfrm>
+            <a:prstGeom prst="rect">
+              <a:avLst/>
+            </a:prstGeom>
+            <a:noFill/>
+            <a:ln>
+              <a:noFill/>
+            </a:ln>
+            <a:effectLst/>
+            <a:extLst/>
+          </p:spPr>
+        </p:pic>
+        <p:pic>
+          <p:nvPicPr>
+            <p:cNvPr id="36" name="Content Placeholder 6"/>
+            <p:cNvPicPr>
+              <a:picLocks noChangeAspect="1"/>
+            </p:cNvPicPr>
+            <p:nvPr/>
+          </p:nvPicPr>
+          <p:blipFill>
+            <a:blip r:embed="rId3" cstate="screen">
+              <a:duotone>
+                <a:prstClr val="black"/>
+                <a:srgbClr val="FF0C00">
+                  <a:tint val="45000"/>
+                  <a:satMod val="400000"/>
+                </a:srgbClr>
+              </a:duotone>
+              <a:extLst>
+                <a:ext uri="{28A0092B-C50C-407E-A947-70E740481C1C}">
+                  <a14:useLocalDpi xmlns:a14="http://schemas.microsoft.com/office/drawing/2010/main"/>
+                </a:ext>
+              </a:extLst>
+            </a:blip>
+            <a:srcRect l="-57666" r="-57666"/>
+            <a:stretch>
+              <a:fillRect/>
+            </a:stretch>
+          </p:blipFill>
+          <p:spPr bwMode="auto">
+            <a:xfrm flipH="1">
+              <a:off x="1316689" y="2039446"/>
+              <a:ext cx="1755335" cy="815180"/>
+            </a:xfrm>
+            <a:prstGeom prst="rect">
+              <a:avLst/>
+            </a:prstGeom>
+            <a:noFill/>
+            <a:ln>
+              <a:noFill/>
+            </a:ln>
+            <a:effectLst/>
+            <a:extLst/>
+          </p:spPr>
+        </p:pic>
+        <p:pic>
+          <p:nvPicPr>
+            <p:cNvPr id="38" name="Content Placeholder 6"/>
+            <p:cNvPicPr>
+              <a:picLocks noChangeAspect="1"/>
+            </p:cNvPicPr>
+            <p:nvPr/>
+          </p:nvPicPr>
+          <p:blipFill>
+            <a:blip r:embed="rId3" cstate="screen">
+              <a:duotone>
+                <a:prstClr val="black"/>
+                <a:srgbClr val="FF0C00">
+                  <a:tint val="45000"/>
+                  <a:satMod val="400000"/>
+                </a:srgbClr>
+              </a:duotone>
+              <a:extLst>
+                <a:ext uri="{28A0092B-C50C-407E-A947-70E740481C1C}">
+                  <a14:useLocalDpi xmlns:a14="http://schemas.microsoft.com/office/drawing/2010/main"/>
+                </a:ext>
+              </a:extLst>
+            </a:blip>
+            <a:srcRect l="-57666" r="-57666"/>
+            <a:stretch>
+              <a:fillRect/>
+            </a:stretch>
+          </p:blipFill>
+          <p:spPr bwMode="auto">
+            <a:xfrm flipH="1">
+              <a:off x="472540" y="2358863"/>
+              <a:ext cx="1755335" cy="815180"/>
+            </a:xfrm>
+            <a:prstGeom prst="rect">
+              <a:avLst/>
+            </a:prstGeom>
+            <a:noFill/>
+            <a:ln>
+              <a:noFill/>
+            </a:ln>
+            <a:effectLst/>
+            <a:extLst/>
+          </p:spPr>
+        </p:pic>
+        <p:pic>
+          <p:nvPicPr>
+            <p:cNvPr id="39" name="Content Placeholder 6"/>
+            <p:cNvPicPr>
+              <a:picLocks noChangeAspect="1"/>
+            </p:cNvPicPr>
+            <p:nvPr/>
+          </p:nvPicPr>
+          <p:blipFill>
+            <a:blip r:embed="rId3" cstate="screen">
+              <a:duotone>
+                <a:prstClr val="black"/>
+                <a:srgbClr val="FF0C00">
+                  <a:tint val="45000"/>
+                  <a:satMod val="400000"/>
+                </a:srgbClr>
+              </a:duotone>
+              <a:extLst>
+                <a:ext uri="{28A0092B-C50C-407E-A947-70E740481C1C}">
+                  <a14:useLocalDpi xmlns:a14="http://schemas.microsoft.com/office/drawing/2010/main"/>
+                </a:ext>
+              </a:extLst>
+            </a:blip>
+            <a:srcRect l="-57666" r="-57666"/>
+            <a:stretch>
+              <a:fillRect/>
+            </a:stretch>
+          </p:blipFill>
+          <p:spPr bwMode="auto">
+            <a:xfrm flipH="1">
+              <a:off x="1210219" y="2472941"/>
+              <a:ext cx="1755335" cy="815180"/>
+            </a:xfrm>
+            <a:prstGeom prst="rect">
+              <a:avLst/>
+            </a:prstGeom>
+            <a:noFill/>
+            <a:ln>
+              <a:noFill/>
+            </a:ln>
+            <a:effectLst/>
+            <a:extLst/>
+          </p:spPr>
+        </p:pic>
+      </p:grpSp>
+      <p:sp>
+        <p:nvSpPr>
+          <p:cNvPr id="3" name="TextBox 2"/>
+          <p:cNvSpPr txBox="1"/>
+          <p:nvPr/>
+        </p:nvSpPr>
+        <p:spPr>
+          <a:xfrm>
+            <a:off x="348643" y="2406953"/>
+            <a:ext cx="1108146" cy="400110"/>
+          </a:xfrm>
+          <a:prstGeom prst="rect">
+            <a:avLst/>
+          </a:prstGeom>
+          <a:noFill/>
+        </p:spPr>
+        <p:txBody>
+          <a:bodyPr wrap="none" rtlCol="0">
+            <a:spAutoFit/>
+          </a:bodyPr>
+          <a:lstStyle/>
+          <a:p>
+            <a:r>
+              <a:rPr lang="en-US" sz="2000" dirty="0" smtClean="0">
+                <a:latin typeface="Courier"/>
+                <a:cs typeface="Courier"/>
+              </a:rPr>
+              <a:t>Node 1</a:t>
+            </a:r>
+            <a:endParaRPr lang="en-US" sz="2000" dirty="0">
+              <a:latin typeface="Courier"/>
+              <a:cs typeface="Courier"/>
+            </a:endParaRPr>
+          </a:p>
+        </p:txBody>
+      </p:sp>
+      <p:grpSp>
+        <p:nvGrpSpPr>
+          <p:cNvPr id="40" name="Group 39"/>
+          <p:cNvGrpSpPr/>
+          <p:nvPr/>
+        </p:nvGrpSpPr>
+        <p:grpSpPr>
+          <a:xfrm>
+            <a:off x="6999974" y="138466"/>
+            <a:ext cx="2007082" cy="1941915"/>
+            <a:chOff x="5766259" y="501322"/>
+            <a:chExt cx="2868206" cy="2775079"/>
+          </a:xfrm>
+        </p:grpSpPr>
+        <p:pic>
+          <p:nvPicPr>
+            <p:cNvPr id="41" name="Picture 40"/>
+            <p:cNvPicPr>
+              <a:picLocks noChangeAspect="1"/>
+            </p:cNvPicPr>
+            <p:nvPr/>
+          </p:nvPicPr>
+          <p:blipFill>
+            <a:blip r:embed="rId5" cstate="screen">
+              <a:extLst>
+                <a:ext uri="{28A0092B-C50C-407E-A947-70E740481C1C}">
+                  <a14:useLocalDpi xmlns:a14="http://schemas.microsoft.com/office/drawing/2010/main"/>
+                </a:ext>
+              </a:extLst>
+            </a:blip>
+            <a:stretch>
+              <a:fillRect/>
+            </a:stretch>
+          </p:blipFill>
+          <p:spPr>
+            <a:xfrm>
+              <a:off x="6473994" y="501322"/>
+              <a:ext cx="1464246" cy="2051062"/>
+            </a:xfrm>
+            <a:prstGeom prst="rect">
+              <a:avLst/>
+            </a:prstGeom>
+          </p:spPr>
+        </p:pic>
+        <p:pic>
+          <p:nvPicPr>
+            <p:cNvPr id="42" name="Content Placeholder 6"/>
+            <p:cNvPicPr>
+              <a:picLocks noChangeAspect="1"/>
+            </p:cNvPicPr>
+            <p:nvPr/>
+          </p:nvPicPr>
+          <p:blipFill>
+            <a:blip r:embed="rId3" cstate="screen">
+              <a:duotone>
+                <a:prstClr val="black"/>
+                <a:srgbClr val="37FF00">
+                  <a:tint val="45000"/>
+                  <a:satMod val="400000"/>
+                </a:srgbClr>
+              </a:duotone>
+              <a:extLst>
+                <a:ext uri="{28A0092B-C50C-407E-A947-70E740481C1C}">
+                  <a14:useLocalDpi xmlns:a14="http://schemas.microsoft.com/office/drawing/2010/main"/>
+                </a:ext>
+              </a:extLst>
+            </a:blip>
+            <a:srcRect l="-57666" r="-57666"/>
+            <a:stretch>
+              <a:fillRect/>
+            </a:stretch>
+          </p:blipFill>
+          <p:spPr bwMode="auto">
+            <a:xfrm flipH="1">
+              <a:off x="6701366" y="1951375"/>
+              <a:ext cx="1755335" cy="815180"/>
+            </a:xfrm>
+            <a:prstGeom prst="rect">
+              <a:avLst/>
+            </a:prstGeom>
+            <a:noFill/>
+            <a:ln>
+              <a:noFill/>
+            </a:ln>
+            <a:effectLst/>
+            <a:extLst>
+              <a:ext uri="{909E8E84-426E-40dd-AFC4-6F175D3DCCD1}">
+                <a14:hiddenFill xmlns:a14="http://schemas.microsoft.com/office/drawing/2010/main">
+                  <a:solidFill>
+                    <a:srgbClr val="FFFFFF"/>
+                  </a:solidFill>
+                </a14:hiddenFill>
+              </a:ext>
+              <a:ext uri="{91240B29-F687-4f45-9708-019B960494DF}">
+                <a14:hiddenLine xmlns:a14="http://schemas.microsoft.com/office/drawing/2010/main" w="9525">
+                  <a:solidFill>
+                    <a:schemeClr val="tx1"/>
+                  </a:solidFill>
+                  <a:miter lim="800000"/>
+                  <a:headEnd/>
+                  <a:tailEnd/>
+                </a14:hiddenLine>
+              </a:ext>
+              <a:ext uri="{AF507438-7753-43e0-B8FC-AC1667EBCBE1}">
+                <a14:hiddenEffects xmlns:a14="http://schemas.microsoft.com/office/drawing/2010/main">
+                  <a:effectLst>
+                    <a:outerShdw dist="35921" dir="2700000" algn="ctr" rotWithShape="0">
+                      <a:srgbClr val="808080"/>
+                    </a:outerShdw>
+                  </a:effectLst>
+                </a14:hiddenEffects>
+              </a:ext>
+            </a:extLst>
+          </p:spPr>
+        </p:pic>
+        <p:pic>
+          <p:nvPicPr>
+            <p:cNvPr id="43" name="Content Placeholder 6"/>
+            <p:cNvPicPr>
+              <a:picLocks noChangeAspect="1"/>
+            </p:cNvPicPr>
+            <p:nvPr/>
+          </p:nvPicPr>
+          <p:blipFill>
+            <a:blip r:embed="rId3" cstate="screen">
+              <a:duotone>
+                <a:prstClr val="black"/>
+                <a:srgbClr val="37FF00">
+                  <a:tint val="45000"/>
+                  <a:satMod val="400000"/>
+                </a:srgbClr>
+              </a:duotone>
+              <a:extLst>
+                <a:ext uri="{28A0092B-C50C-407E-A947-70E740481C1C}">
+                  <a14:useLocalDpi xmlns:a14="http://schemas.microsoft.com/office/drawing/2010/main"/>
+                </a:ext>
+              </a:extLst>
+            </a:blip>
+            <a:srcRect l="-57666" r="-57666"/>
+            <a:stretch>
+              <a:fillRect/>
+            </a:stretch>
+          </p:blipFill>
+          <p:spPr bwMode="auto">
+            <a:xfrm flipH="1">
+              <a:off x="5766259" y="1989697"/>
+              <a:ext cx="1755335" cy="815180"/>
+            </a:xfrm>
+            <a:prstGeom prst="rect">
+              <a:avLst/>
+            </a:prstGeom>
+            <a:noFill/>
+            <a:ln>
+              <a:noFill/>
+            </a:ln>
+            <a:effectLst/>
+            <a:extLst>
+              <a:ext uri="{909E8E84-426E-40dd-AFC4-6F175D3DCCD1}">
+                <a14:hiddenFill xmlns:a14="http://schemas.microsoft.com/office/drawing/2010/main">
+                  <a:solidFill>
+                    <a:srgbClr val="FFFFFF"/>
+                  </a:solidFill>
+                </a14:hiddenFill>
+              </a:ext>
+              <a:ext uri="{91240B29-F687-4f45-9708-019B960494DF}">
+                <a14:hiddenLine xmlns:a14="http://schemas.microsoft.com/office/drawing/2010/main" w="9525">
+                  <a:solidFill>
+                    <a:schemeClr val="tx1"/>
+                  </a:solidFill>
+                  <a:miter lim="800000"/>
+                  <a:headEnd/>
+                  <a:tailEnd/>
+                </a14:hiddenLine>
+              </a:ext>
+              <a:ext uri="{AF507438-7753-43e0-B8FC-AC1667EBCBE1}">
+                <a14:hiddenEffects xmlns:a14="http://schemas.microsoft.com/office/drawing/2010/main">
+                  <a:effectLst>
+                    <a:outerShdw dist="35921" dir="2700000" algn="ctr" rotWithShape="0">
+                      <a:srgbClr val="808080"/>
+                    </a:outerShdw>
+                  </a:effectLst>
+                </a14:hiddenEffects>
+              </a:ext>
+            </a:extLst>
+          </p:spPr>
+        </p:pic>
+        <p:pic>
+          <p:nvPicPr>
+            <p:cNvPr id="44" name="Content Placeholder 6"/>
+            <p:cNvPicPr>
+              <a:picLocks noChangeAspect="1"/>
+            </p:cNvPicPr>
+            <p:nvPr/>
+          </p:nvPicPr>
+          <p:blipFill>
+            <a:blip r:embed="rId3" cstate="screen">
+              <a:duotone>
+                <a:prstClr val="black"/>
+                <a:srgbClr val="37FF00">
+                  <a:tint val="45000"/>
+                  <a:satMod val="400000"/>
+                </a:srgbClr>
+              </a:duotone>
+              <a:extLst>
+                <a:ext uri="{28A0092B-C50C-407E-A947-70E740481C1C}">
+                  <a14:useLocalDpi xmlns:a14="http://schemas.microsoft.com/office/drawing/2010/main"/>
+                </a:ext>
+              </a:extLst>
+            </a:blip>
+            <a:srcRect l="-57666" r="-57666"/>
+            <a:stretch>
+              <a:fillRect/>
+            </a:stretch>
+          </p:blipFill>
+          <p:spPr bwMode="auto">
+            <a:xfrm flipH="1">
+              <a:off x="6009616" y="2446010"/>
+              <a:ext cx="1755335" cy="815180"/>
+            </a:xfrm>
+            <a:prstGeom prst="rect">
+              <a:avLst/>
+            </a:prstGeom>
+            <a:noFill/>
+            <a:ln>
+              <a:noFill/>
+            </a:ln>
+            <a:effectLst/>
+            <a:extLst>
+              <a:ext uri="{909E8E84-426E-40dd-AFC4-6F175D3DCCD1}">
+                <a14:hiddenFill xmlns:a14="http://schemas.microsoft.com/office/drawing/2010/main">
+                  <a:solidFill>
+                    <a:srgbClr val="FFFFFF"/>
+                  </a:solidFill>
+                </a14:hiddenFill>
+              </a:ext>
+              <a:ext uri="{91240B29-F687-4f45-9708-019B960494DF}">
+                <a14:hiddenLine xmlns:a14="http://schemas.microsoft.com/office/drawing/2010/main" w="9525">
+                  <a:solidFill>
+                    <a:schemeClr val="tx1"/>
+                  </a:solidFill>
+                  <a:miter lim="800000"/>
+                  <a:headEnd/>
+                  <a:tailEnd/>
+                </a14:hiddenLine>
+              </a:ext>
+              <a:ext uri="{AF507438-7753-43e0-B8FC-AC1667EBCBE1}">
+                <a14:hiddenEffects xmlns:a14="http://schemas.microsoft.com/office/drawing/2010/main">
+                  <a:effectLst>
+                    <a:outerShdw dist="35921" dir="2700000" algn="ctr" rotWithShape="0">
+                      <a:srgbClr val="808080"/>
+                    </a:outerShdw>
+                  </a:effectLst>
+                </a14:hiddenEffects>
+              </a:ext>
+            </a:extLst>
+          </p:spPr>
+        </p:pic>
+        <p:pic>
+          <p:nvPicPr>
+            <p:cNvPr id="45" name="Content Placeholder 6"/>
+            <p:cNvPicPr>
+              <a:picLocks noChangeAspect="1"/>
+            </p:cNvPicPr>
+            <p:nvPr/>
+          </p:nvPicPr>
+          <p:blipFill>
+            <a:blip r:embed="rId3" cstate="screen">
+              <a:duotone>
+                <a:prstClr val="black"/>
+                <a:srgbClr val="37FF00">
+                  <a:tint val="45000"/>
+                  <a:satMod val="400000"/>
+                </a:srgbClr>
+              </a:duotone>
+              <a:extLst>
+                <a:ext uri="{28A0092B-C50C-407E-A947-70E740481C1C}">
+                  <a14:useLocalDpi xmlns:a14="http://schemas.microsoft.com/office/drawing/2010/main"/>
+                </a:ext>
+              </a:extLst>
+            </a:blip>
+            <a:srcRect l="-57666" r="-57666"/>
+            <a:stretch>
+              <a:fillRect/>
+            </a:stretch>
+          </p:blipFill>
+          <p:spPr bwMode="auto">
+            <a:xfrm flipH="1">
+              <a:off x="6879130" y="2461221"/>
+              <a:ext cx="1755335" cy="815180"/>
+            </a:xfrm>
+            <a:prstGeom prst="rect">
+              <a:avLst/>
+            </a:prstGeom>
+            <a:noFill/>
+            <a:ln>
+              <a:noFill/>
+            </a:ln>
+            <a:effectLst/>
+            <a:extLst>
+              <a:ext uri="{909E8E84-426E-40dd-AFC4-6F175D3DCCD1}">
+                <a14:hiddenFill xmlns:a14="http://schemas.microsoft.com/office/drawing/2010/main">
+                  <a:solidFill>
+                    <a:srgbClr val="FFFFFF"/>
+                  </a:solidFill>
+                </a14:hiddenFill>
+              </a:ext>
+              <a:ext uri="{91240B29-F687-4f45-9708-019B960494DF}">
+                <a14:hiddenLine xmlns:a14="http://schemas.microsoft.com/office/drawing/2010/main" w="9525">
+                  <a:solidFill>
+                    <a:schemeClr val="tx1"/>
+                  </a:solidFill>
+                  <a:miter lim="800000"/>
+                  <a:headEnd/>
+                  <a:tailEnd/>
+                </a14:hiddenLine>
+              </a:ext>
+              <a:ext uri="{AF507438-7753-43e0-B8FC-AC1667EBCBE1}">
+                <a14:hiddenEffects xmlns:a14="http://schemas.microsoft.com/office/drawing/2010/main">
+                  <a:effectLst>
+                    <a:outerShdw dist="35921" dir="2700000" algn="ctr" rotWithShape="0">
+                      <a:srgbClr val="808080"/>
+                    </a:outerShdw>
+                  </a:effectLst>
+                </a14:hiddenEffects>
+              </a:ext>
+            </a:extLst>
+          </p:spPr>
+        </p:pic>
+      </p:grpSp>
+      <p:sp>
+        <p:nvSpPr>
+          <p:cNvPr id="47" name="TextBox 46"/>
+          <p:cNvSpPr txBox="1"/>
+          <p:nvPr/>
+        </p:nvSpPr>
+        <p:spPr>
+          <a:xfrm>
+            <a:off x="7540472" y="2111829"/>
+            <a:ext cx="1108146" cy="400110"/>
+          </a:xfrm>
+          <a:prstGeom prst="rect">
+            <a:avLst/>
+          </a:prstGeom>
+          <a:noFill/>
+        </p:spPr>
+        <p:txBody>
+          <a:bodyPr wrap="none" rtlCol="0">
+            <a:spAutoFit/>
+          </a:bodyPr>
+          <a:lstStyle/>
+          <a:p>
+            <a:r>
+              <a:rPr lang="en-US" sz="2000" dirty="0" smtClean="0">
+                <a:latin typeface="Courier"/>
+                <a:cs typeface="Courier"/>
+              </a:rPr>
+              <a:t>Node 2</a:t>
+            </a:r>
+            <a:endParaRPr lang="en-US" sz="2000" dirty="0">
+              <a:latin typeface="Courier"/>
+              <a:cs typeface="Courier"/>
+            </a:endParaRPr>
+          </a:p>
+        </p:txBody>
+      </p:sp>
+      <p:grpSp>
+        <p:nvGrpSpPr>
+          <p:cNvPr id="48" name="Group 47"/>
+          <p:cNvGrpSpPr/>
+          <p:nvPr/>
+        </p:nvGrpSpPr>
+        <p:grpSpPr>
+          <a:xfrm>
+            <a:off x="0" y="3420359"/>
+            <a:ext cx="2484051" cy="2246403"/>
+            <a:chOff x="467187" y="3650170"/>
+            <a:chExt cx="2949613" cy="2667424"/>
+          </a:xfrm>
+        </p:grpSpPr>
+        <p:pic>
+          <p:nvPicPr>
+            <p:cNvPr id="55" name="Picture 54"/>
+            <p:cNvPicPr>
+              <a:picLocks noChangeAspect="1"/>
+            </p:cNvPicPr>
+            <p:nvPr/>
+          </p:nvPicPr>
+          <p:blipFill>
+            <a:blip r:embed="rId5" cstate="screen">
+              <a:extLst>
+                <a:ext uri="{28A0092B-C50C-407E-A947-70E740481C1C}">
+                  <a14:useLocalDpi xmlns:a14="http://schemas.microsoft.com/office/drawing/2010/main"/>
+                </a:ext>
+              </a:extLst>
+            </a:blip>
+            <a:stretch>
+              <a:fillRect/>
+            </a:stretch>
+          </p:blipFill>
+          <p:spPr>
+            <a:xfrm>
+              <a:off x="1028553" y="3650170"/>
+              <a:ext cx="1464246" cy="2051062"/>
+            </a:xfrm>
+            <a:prstGeom prst="rect">
+              <a:avLst/>
+            </a:prstGeom>
+          </p:spPr>
+        </p:pic>
+        <p:pic>
+          <p:nvPicPr>
+            <p:cNvPr id="66" name="Content Placeholder 6"/>
+            <p:cNvPicPr>
+              <a:picLocks noChangeAspect="1"/>
+            </p:cNvPicPr>
+            <p:nvPr/>
+          </p:nvPicPr>
+          <p:blipFill>
+            <a:blip r:embed="rId3" cstate="screen">
+              <a:extLst>
+                <a:ext uri="{28A0092B-C50C-407E-A947-70E740481C1C}">
+                  <a14:useLocalDpi xmlns:a14="http://schemas.microsoft.com/office/drawing/2010/main"/>
+                </a:ext>
+              </a:extLst>
+            </a:blip>
+            <a:srcRect l="-57666" r="-57666"/>
+            <a:stretch>
+              <a:fillRect/>
+            </a:stretch>
+          </p:blipFill>
+          <p:spPr bwMode="auto">
+            <a:xfrm flipH="1">
+              <a:off x="467187" y="5129463"/>
+              <a:ext cx="1755335" cy="815180"/>
+            </a:xfrm>
+            <a:prstGeom prst="rect">
+              <a:avLst/>
+            </a:prstGeom>
+            <a:noFill/>
+            <a:ln>
+              <a:noFill/>
+            </a:ln>
+            <a:effectLst/>
+            <a:extLst>
+              <a:ext uri="{909E8E84-426E-40dd-AFC4-6F175D3DCCD1}">
+                <a14:hiddenFill xmlns:a14="http://schemas.microsoft.com/office/drawing/2010/main">
+                  <a:solidFill>
+                    <a:srgbClr val="FFFFFF"/>
+                  </a:solidFill>
+                </a14:hiddenFill>
+              </a:ext>
+              <a:ext uri="{91240B29-F687-4f45-9708-019B960494DF}">
+                <a14:hiddenLine xmlns:a14="http://schemas.microsoft.com/office/drawing/2010/main" w="9525">
+                  <a:solidFill>
+                    <a:schemeClr val="tx1"/>
+                  </a:solidFill>
+                  <a:miter lim="800000"/>
+                  <a:headEnd/>
+                  <a:tailEnd/>
+                </a14:hiddenLine>
+              </a:ext>
+              <a:ext uri="{AF507438-7753-43e0-B8FC-AC1667EBCBE1}">
+                <a14:hiddenEffects xmlns:a14="http://schemas.microsoft.com/office/drawing/2010/main">
+                  <a:effectLst>
+                    <a:outerShdw dist="35921" dir="2700000" algn="ctr" rotWithShape="0">
+                      <a:srgbClr val="808080"/>
+                    </a:outerShdw>
+                  </a:effectLst>
+                </a14:hiddenEffects>
+              </a:ext>
+            </a:extLst>
+          </p:spPr>
+        </p:pic>
+        <p:pic>
+          <p:nvPicPr>
+            <p:cNvPr id="67" name="Content Placeholder 6"/>
+            <p:cNvPicPr>
+              <a:picLocks noChangeAspect="1"/>
+            </p:cNvPicPr>
+            <p:nvPr/>
+          </p:nvPicPr>
+          <p:blipFill>
+            <a:blip r:embed="rId3" cstate="screen">
+              <a:extLst>
+                <a:ext uri="{28A0092B-C50C-407E-A947-70E740481C1C}">
+                  <a14:useLocalDpi xmlns:a14="http://schemas.microsoft.com/office/drawing/2010/main"/>
+                </a:ext>
+              </a:extLst>
+            </a:blip>
+            <a:srcRect l="-57666" r="-57666"/>
+            <a:stretch>
+              <a:fillRect/>
+            </a:stretch>
+          </p:blipFill>
+          <p:spPr bwMode="auto">
+            <a:xfrm flipH="1">
+              <a:off x="1326848" y="5160180"/>
+              <a:ext cx="1755335" cy="815180"/>
+            </a:xfrm>
+            <a:prstGeom prst="rect">
+              <a:avLst/>
+            </a:prstGeom>
+            <a:noFill/>
+            <a:ln>
+              <a:noFill/>
+            </a:ln>
+            <a:effectLst/>
+            <a:extLst>
+              <a:ext uri="{909E8E84-426E-40dd-AFC4-6F175D3DCCD1}">
+                <a14:hiddenFill xmlns:a14="http://schemas.microsoft.com/office/drawing/2010/main">
+                  <a:solidFill>
+                    <a:srgbClr val="FFFFFF"/>
+                  </a:solidFill>
+                </a14:hiddenFill>
+              </a:ext>
+              <a:ext uri="{91240B29-F687-4f45-9708-019B960494DF}">
+                <a14:hiddenLine xmlns:a14="http://schemas.microsoft.com/office/drawing/2010/main" w="9525">
+                  <a:solidFill>
+                    <a:schemeClr val="tx1"/>
+                  </a:solidFill>
+                  <a:miter lim="800000"/>
+                  <a:headEnd/>
+                  <a:tailEnd/>
+                </a14:hiddenLine>
+              </a:ext>
+              <a:ext uri="{AF507438-7753-43e0-B8FC-AC1667EBCBE1}">
+                <a14:hiddenEffects xmlns:a14="http://schemas.microsoft.com/office/drawing/2010/main">
+                  <a:effectLst>
+                    <a:outerShdw dist="35921" dir="2700000" algn="ctr" rotWithShape="0">
+                      <a:srgbClr val="808080"/>
+                    </a:outerShdw>
+                  </a:effectLst>
+                </a14:hiddenEffects>
+              </a:ext>
+            </a:extLst>
+          </p:spPr>
+        </p:pic>
+        <p:pic>
+          <p:nvPicPr>
+            <p:cNvPr id="68" name="Content Placeholder 6"/>
+            <p:cNvPicPr>
+              <a:picLocks noChangeAspect="1"/>
+            </p:cNvPicPr>
+            <p:nvPr/>
+          </p:nvPicPr>
+          <p:blipFill>
+            <a:blip r:embed="rId3" cstate="screen">
+              <a:extLst>
+                <a:ext uri="{28A0092B-C50C-407E-A947-70E740481C1C}">
+                  <a14:useLocalDpi xmlns:a14="http://schemas.microsoft.com/office/drawing/2010/main"/>
+                </a:ext>
+              </a:extLst>
+            </a:blip>
+            <a:srcRect l="-57666" r="-57666"/>
+            <a:stretch>
+              <a:fillRect/>
+            </a:stretch>
+          </p:blipFill>
+          <p:spPr bwMode="auto">
+            <a:xfrm flipH="1">
+              <a:off x="779291" y="5487204"/>
+              <a:ext cx="1755335" cy="815180"/>
+            </a:xfrm>
+            <a:prstGeom prst="rect">
+              <a:avLst/>
+            </a:prstGeom>
+            <a:noFill/>
+            <a:ln>
+              <a:noFill/>
+            </a:ln>
+            <a:effectLst/>
+            <a:extLst>
+              <a:ext uri="{909E8E84-426E-40dd-AFC4-6F175D3DCCD1}">
+                <a14:hiddenFill xmlns:a14="http://schemas.microsoft.com/office/drawing/2010/main">
+                  <a:solidFill>
+                    <a:srgbClr val="FFFFFF"/>
+                  </a:solidFill>
+                </a14:hiddenFill>
+              </a:ext>
+              <a:ext uri="{91240B29-F687-4f45-9708-019B960494DF}">
+                <a14:hiddenLine xmlns:a14="http://schemas.microsoft.com/office/drawing/2010/main" w="9525">
+                  <a:solidFill>
+                    <a:schemeClr val="tx1"/>
+                  </a:solidFill>
+                  <a:miter lim="800000"/>
+                  <a:headEnd/>
+                  <a:tailEnd/>
+                </a14:hiddenLine>
+              </a:ext>
+              <a:ext uri="{AF507438-7753-43e0-B8FC-AC1667EBCBE1}">
+                <a14:hiddenEffects xmlns:a14="http://schemas.microsoft.com/office/drawing/2010/main">
+                  <a:effectLst>
+                    <a:outerShdw dist="35921" dir="2700000" algn="ctr" rotWithShape="0">
+                      <a:srgbClr val="808080"/>
+                    </a:outerShdw>
+                  </a:effectLst>
+                </a14:hiddenEffects>
+              </a:ext>
+            </a:extLst>
+          </p:spPr>
+        </p:pic>
+        <p:pic>
+          <p:nvPicPr>
+            <p:cNvPr id="69" name="Content Placeholder 6"/>
+            <p:cNvPicPr>
+              <a:picLocks noChangeAspect="1"/>
+            </p:cNvPicPr>
+            <p:nvPr/>
+          </p:nvPicPr>
+          <p:blipFill>
+            <a:blip r:embed="rId3" cstate="screen">
+              <a:extLst>
+                <a:ext uri="{28A0092B-C50C-407E-A947-70E740481C1C}">
+                  <a14:useLocalDpi xmlns:a14="http://schemas.microsoft.com/office/drawing/2010/main"/>
+                </a:ext>
+              </a:extLst>
+            </a:blip>
+            <a:srcRect l="-57666" r="-57666"/>
+            <a:stretch>
+              <a:fillRect/>
+            </a:stretch>
+          </p:blipFill>
+          <p:spPr bwMode="auto">
+            <a:xfrm flipH="1">
+              <a:off x="1661465" y="5502414"/>
+              <a:ext cx="1755335" cy="815180"/>
+            </a:xfrm>
+            <a:prstGeom prst="rect">
+              <a:avLst/>
+            </a:prstGeom>
+            <a:noFill/>
+            <a:ln>
+              <a:noFill/>
+            </a:ln>
+            <a:effectLst/>
+            <a:extLst>
+              <a:ext uri="{909E8E84-426E-40dd-AFC4-6F175D3DCCD1}">
+                <a14:hiddenFill xmlns:a14="http://schemas.microsoft.com/office/drawing/2010/main">
+                  <a:solidFill>
+                    <a:srgbClr val="FFFFFF"/>
+                  </a:solidFill>
+                </a14:hiddenFill>
+              </a:ext>
+              <a:ext uri="{91240B29-F687-4f45-9708-019B960494DF}">
+                <a14:hiddenLine xmlns:a14="http://schemas.microsoft.com/office/drawing/2010/main" w="9525">
+                  <a:solidFill>
+                    <a:schemeClr val="tx1"/>
+                  </a:solidFill>
+                  <a:miter lim="800000"/>
+                  <a:headEnd/>
+                  <a:tailEnd/>
+                </a14:hiddenLine>
+              </a:ext>
+              <a:ext uri="{AF507438-7753-43e0-B8FC-AC1667EBCBE1}">
+                <a14:hiddenEffects xmlns:a14="http://schemas.microsoft.com/office/drawing/2010/main">
+                  <a:effectLst>
+                    <a:outerShdw dist="35921" dir="2700000" algn="ctr" rotWithShape="0">
+                      <a:srgbClr val="808080"/>
+                    </a:outerShdw>
+                  </a:effectLst>
+                </a14:hiddenEffects>
+              </a:ext>
+            </a:extLst>
+          </p:spPr>
+        </p:pic>
+      </p:grpSp>
+      <p:sp>
+        <p:nvSpPr>
+          <p:cNvPr id="70" name="TextBox 69"/>
+          <p:cNvSpPr txBox="1"/>
+          <p:nvPr/>
+        </p:nvSpPr>
+        <p:spPr>
+          <a:xfrm>
+            <a:off x="730852" y="5667829"/>
+            <a:ext cx="1108146" cy="400110"/>
+          </a:xfrm>
+          <a:prstGeom prst="rect">
+            <a:avLst/>
+          </a:prstGeom>
+          <a:noFill/>
+        </p:spPr>
+        <p:txBody>
+          <a:bodyPr wrap="none" rtlCol="0">
+            <a:spAutoFit/>
+          </a:bodyPr>
+          <a:lstStyle/>
+          <a:p>
+            <a:r>
+              <a:rPr lang="en-US" sz="2000" dirty="0" smtClean="0">
+                <a:latin typeface="Courier"/>
+                <a:cs typeface="Courier"/>
+              </a:rPr>
+              <a:t>Node 3</a:t>
+            </a:r>
+            <a:endParaRPr lang="en-US" sz="2000" dirty="0">
+              <a:latin typeface="Courier"/>
+              <a:cs typeface="Courier"/>
+            </a:endParaRPr>
+          </a:p>
+        </p:txBody>
+      </p:sp>
+      <p:grpSp>
+        <p:nvGrpSpPr>
+          <p:cNvPr id="71" name="Group 70"/>
+          <p:cNvGrpSpPr/>
+          <p:nvPr/>
+        </p:nvGrpSpPr>
+        <p:grpSpPr>
+          <a:xfrm>
+            <a:off x="6881114" y="3517122"/>
+            <a:ext cx="2262886" cy="2082973"/>
+            <a:chOff x="5734675" y="3650170"/>
+            <a:chExt cx="2979730" cy="2742824"/>
+          </a:xfrm>
+        </p:grpSpPr>
+        <p:pic>
+          <p:nvPicPr>
+            <p:cNvPr id="72" name="Picture 71"/>
+            <p:cNvPicPr>
+              <a:picLocks noChangeAspect="1"/>
+            </p:cNvPicPr>
+            <p:nvPr/>
+          </p:nvPicPr>
+          <p:blipFill>
+            <a:blip r:embed="rId5" cstate="screen">
+              <a:extLst>
+                <a:ext uri="{28A0092B-C50C-407E-A947-70E740481C1C}">
+                  <a14:useLocalDpi xmlns:a14="http://schemas.microsoft.com/office/drawing/2010/main"/>
+                </a:ext>
+              </a:extLst>
+            </a:blip>
+            <a:stretch>
+              <a:fillRect/>
+            </a:stretch>
+          </p:blipFill>
+          <p:spPr>
+            <a:xfrm>
+              <a:off x="6473994" y="3650170"/>
+              <a:ext cx="1464246" cy="2051062"/>
+            </a:xfrm>
+            <a:prstGeom prst="rect">
+              <a:avLst/>
+            </a:prstGeom>
+          </p:spPr>
+        </p:pic>
+        <p:pic>
+          <p:nvPicPr>
+            <p:cNvPr id="73" name="Content Placeholder 6"/>
+            <p:cNvPicPr>
+              <a:picLocks noChangeAspect="1"/>
+            </p:cNvPicPr>
+            <p:nvPr/>
+          </p:nvPicPr>
+          <p:blipFill>
+            <a:blip r:embed="rId3" cstate="screen">
+              <a:duotone>
+                <a:prstClr val="black"/>
+                <a:srgbClr val="4C00FF">
+                  <a:tint val="45000"/>
+                  <a:satMod val="400000"/>
+                </a:srgbClr>
+              </a:duotone>
+              <a:extLst>
+                <a:ext uri="{28A0092B-C50C-407E-A947-70E740481C1C}">
+                  <a14:useLocalDpi xmlns:a14="http://schemas.microsoft.com/office/drawing/2010/main"/>
+                </a:ext>
+              </a:extLst>
+            </a:blip>
+            <a:srcRect l="-57666" r="-57666"/>
+            <a:stretch>
+              <a:fillRect/>
+            </a:stretch>
+          </p:blipFill>
+          <p:spPr bwMode="auto">
+            <a:xfrm flipH="1">
+              <a:off x="6662177" y="5128811"/>
+              <a:ext cx="1755335" cy="815180"/>
+            </a:xfrm>
+            <a:prstGeom prst="rect">
+              <a:avLst/>
+            </a:prstGeom>
+            <a:noFill/>
+            <a:ln>
+              <a:noFill/>
+            </a:ln>
+            <a:effectLst/>
+            <a:extLst>
+              <a:ext uri="{909E8E84-426E-40dd-AFC4-6F175D3DCCD1}">
+                <a14:hiddenFill xmlns:a14="http://schemas.microsoft.com/office/drawing/2010/main">
+                  <a:solidFill>
+                    <a:srgbClr val="FFFFFF"/>
+                  </a:solidFill>
+                </a14:hiddenFill>
+              </a:ext>
+              <a:ext uri="{91240B29-F687-4f45-9708-019B960494DF}">
+                <a14:hiddenLine xmlns:a14="http://schemas.microsoft.com/office/drawing/2010/main" w="9525">
+                  <a:solidFill>
+                    <a:schemeClr val="tx1"/>
+                  </a:solidFill>
+                  <a:miter lim="800000"/>
+                  <a:headEnd/>
+                  <a:tailEnd/>
+                </a14:hiddenLine>
+              </a:ext>
+              <a:ext uri="{AF507438-7753-43e0-B8FC-AC1667EBCBE1}">
+                <a14:hiddenEffects xmlns:a14="http://schemas.microsoft.com/office/drawing/2010/main">
+                  <a:effectLst>
+                    <a:outerShdw dist="35921" dir="2700000" algn="ctr" rotWithShape="0">
+                      <a:srgbClr val="808080"/>
+                    </a:outerShdw>
+                  </a:effectLst>
+                </a14:hiddenEffects>
+              </a:ext>
+            </a:extLst>
+          </p:spPr>
+        </p:pic>
+        <p:pic>
+          <p:nvPicPr>
+            <p:cNvPr id="74" name="Content Placeholder 6"/>
+            <p:cNvPicPr>
+              <a:picLocks noChangeAspect="1"/>
+            </p:cNvPicPr>
+            <p:nvPr/>
+          </p:nvPicPr>
+          <p:blipFill>
+            <a:blip r:embed="rId3" cstate="screen">
+              <a:duotone>
+                <a:prstClr val="black"/>
+                <a:srgbClr val="4C00FF">
+                  <a:tint val="45000"/>
+                  <a:satMod val="400000"/>
+                </a:srgbClr>
+              </a:duotone>
+              <a:extLst>
+                <a:ext uri="{28A0092B-C50C-407E-A947-70E740481C1C}">
+                  <a14:useLocalDpi xmlns:a14="http://schemas.microsoft.com/office/drawing/2010/main"/>
+                </a:ext>
+              </a:extLst>
+            </a:blip>
+            <a:srcRect l="-57666" r="-57666"/>
+            <a:stretch>
+              <a:fillRect/>
+            </a:stretch>
+          </p:blipFill>
+          <p:spPr bwMode="auto">
+            <a:xfrm flipH="1">
+              <a:off x="5734675" y="5098686"/>
+              <a:ext cx="1755335" cy="815180"/>
+            </a:xfrm>
+            <a:prstGeom prst="rect">
+              <a:avLst/>
+            </a:prstGeom>
+            <a:noFill/>
+            <a:ln>
+              <a:noFill/>
+            </a:ln>
+            <a:effectLst/>
+            <a:extLst>
+              <a:ext uri="{909E8E84-426E-40dd-AFC4-6F175D3DCCD1}">
+                <a14:hiddenFill xmlns:a14="http://schemas.microsoft.com/office/drawing/2010/main">
+                  <a:solidFill>
+                    <a:srgbClr val="FFFFFF"/>
+                  </a:solidFill>
+                </a14:hiddenFill>
+              </a:ext>
+              <a:ext uri="{91240B29-F687-4f45-9708-019B960494DF}">
+                <a14:hiddenLine xmlns:a14="http://schemas.microsoft.com/office/drawing/2010/main" w="9525">
+                  <a:solidFill>
+                    <a:schemeClr val="tx1"/>
+                  </a:solidFill>
+                  <a:miter lim="800000"/>
+                  <a:headEnd/>
+                  <a:tailEnd/>
+                </a14:hiddenLine>
+              </a:ext>
+              <a:ext uri="{AF507438-7753-43e0-B8FC-AC1667EBCBE1}">
+                <a14:hiddenEffects xmlns:a14="http://schemas.microsoft.com/office/drawing/2010/main">
+                  <a:effectLst>
+                    <a:outerShdw dist="35921" dir="2700000" algn="ctr" rotWithShape="0">
+                      <a:srgbClr val="808080"/>
+                    </a:outerShdw>
+                  </a:effectLst>
+                </a14:hiddenEffects>
+              </a:ext>
+            </a:extLst>
+          </p:spPr>
+        </p:pic>
+        <p:pic>
+          <p:nvPicPr>
+            <p:cNvPr id="75" name="Content Placeholder 6"/>
+            <p:cNvPicPr>
+              <a:picLocks noChangeAspect="1"/>
+            </p:cNvPicPr>
+            <p:nvPr/>
+          </p:nvPicPr>
+          <p:blipFill>
+            <a:blip r:embed="rId3" cstate="screen">
+              <a:duotone>
+                <a:prstClr val="black"/>
+                <a:srgbClr val="4C00FF">
+                  <a:tint val="45000"/>
+                  <a:satMod val="400000"/>
+                </a:srgbClr>
+              </a:duotone>
+              <a:extLst>
+                <a:ext uri="{28A0092B-C50C-407E-A947-70E740481C1C}">
+                  <a14:useLocalDpi xmlns:a14="http://schemas.microsoft.com/office/drawing/2010/main"/>
+                </a:ext>
+              </a:extLst>
+            </a:blip>
+            <a:srcRect l="-57666" r="-57666"/>
+            <a:stretch>
+              <a:fillRect/>
+            </a:stretch>
+          </p:blipFill>
+          <p:spPr bwMode="auto">
+            <a:xfrm flipH="1">
+              <a:off x="5879168" y="5516973"/>
+              <a:ext cx="1755335" cy="815180"/>
+            </a:xfrm>
+            <a:prstGeom prst="rect">
+              <a:avLst/>
+            </a:prstGeom>
+            <a:noFill/>
+            <a:ln>
+              <a:noFill/>
+            </a:ln>
+            <a:effectLst/>
+            <a:extLst>
+              <a:ext uri="{909E8E84-426E-40dd-AFC4-6F175D3DCCD1}">
+                <a14:hiddenFill xmlns:a14="http://schemas.microsoft.com/office/drawing/2010/main">
+                  <a:solidFill>
+                    <a:srgbClr val="FFFFFF"/>
+                  </a:solidFill>
+                </a14:hiddenFill>
+              </a:ext>
+              <a:ext uri="{91240B29-F687-4f45-9708-019B960494DF}">
+                <a14:hiddenLine xmlns:a14="http://schemas.microsoft.com/office/drawing/2010/main" w="9525">
+                  <a:solidFill>
+                    <a:schemeClr val="tx1"/>
+                  </a:solidFill>
+                  <a:miter lim="800000"/>
+                  <a:headEnd/>
+                  <a:tailEnd/>
+                </a14:hiddenLine>
+              </a:ext>
+              <a:ext uri="{AF507438-7753-43e0-B8FC-AC1667EBCBE1}">
+                <a14:hiddenEffects xmlns:a14="http://schemas.microsoft.com/office/drawing/2010/main">
+                  <a:effectLst>
+                    <a:outerShdw dist="35921" dir="2700000" algn="ctr" rotWithShape="0">
+                      <a:srgbClr val="808080"/>
+                    </a:outerShdw>
+                  </a:effectLst>
+                </a14:hiddenEffects>
+              </a:ext>
+            </a:extLst>
+          </p:spPr>
+        </p:pic>
+        <p:pic>
+          <p:nvPicPr>
+            <p:cNvPr id="76" name="Content Placeholder 6"/>
+            <p:cNvPicPr>
+              <a:picLocks noChangeAspect="1"/>
+            </p:cNvPicPr>
+            <p:nvPr/>
+          </p:nvPicPr>
+          <p:blipFill>
+            <a:blip r:embed="rId3" cstate="screen">
+              <a:duotone>
+                <a:prstClr val="black"/>
+                <a:srgbClr val="4C00FF">
+                  <a:tint val="45000"/>
+                  <a:satMod val="400000"/>
+                </a:srgbClr>
+              </a:duotone>
+              <a:extLst>
+                <a:ext uri="{28A0092B-C50C-407E-A947-70E740481C1C}">
+                  <a14:useLocalDpi xmlns:a14="http://schemas.microsoft.com/office/drawing/2010/main"/>
+                </a:ext>
+              </a:extLst>
+            </a:blip>
+            <a:srcRect l="-57666" r="-57666"/>
+            <a:stretch>
+              <a:fillRect/>
+            </a:stretch>
+          </p:blipFill>
+          <p:spPr bwMode="auto">
+            <a:xfrm flipH="1">
+              <a:off x="6959070" y="5577814"/>
+              <a:ext cx="1755335" cy="815180"/>
+            </a:xfrm>
+            <a:prstGeom prst="rect">
+              <a:avLst/>
+            </a:prstGeom>
+            <a:noFill/>
+            <a:ln>
+              <a:noFill/>
+            </a:ln>
+            <a:effectLst/>
+            <a:extLst>
+              <a:ext uri="{909E8E84-426E-40dd-AFC4-6F175D3DCCD1}">
+                <a14:hiddenFill xmlns:a14="http://schemas.microsoft.com/office/drawing/2010/main">
+                  <a:solidFill>
+                    <a:srgbClr val="FFFFFF"/>
+                  </a:solidFill>
+                </a14:hiddenFill>
+              </a:ext>
+              <a:ext uri="{91240B29-F687-4f45-9708-019B960494DF}">
+                <a14:hiddenLine xmlns:a14="http://schemas.microsoft.com/office/drawing/2010/main" w="9525">
+                  <a:solidFill>
+                    <a:schemeClr val="tx1"/>
+                  </a:solidFill>
+                  <a:miter lim="800000"/>
+                  <a:headEnd/>
+                  <a:tailEnd/>
+                </a14:hiddenLine>
+              </a:ext>
+              <a:ext uri="{AF507438-7753-43e0-B8FC-AC1667EBCBE1}">
+                <a14:hiddenEffects xmlns:a14="http://schemas.microsoft.com/office/drawing/2010/main">
+                  <a:effectLst>
+                    <a:outerShdw dist="35921" dir="2700000" algn="ctr" rotWithShape="0">
+                      <a:srgbClr val="808080"/>
+                    </a:outerShdw>
+                  </a:effectLst>
+                </a14:hiddenEffects>
+              </a:ext>
+            </a:extLst>
+          </p:spPr>
+        </p:pic>
+      </p:grpSp>
+      <p:sp>
+        <p:nvSpPr>
+          <p:cNvPr id="77" name="TextBox 76"/>
+          <p:cNvSpPr txBox="1"/>
+          <p:nvPr/>
+        </p:nvSpPr>
+        <p:spPr>
+          <a:xfrm>
+            <a:off x="7547728" y="5662991"/>
+            <a:ext cx="1108146" cy="400110"/>
+          </a:xfrm>
+          <a:prstGeom prst="rect">
+            <a:avLst/>
+          </a:prstGeom>
+          <a:noFill/>
+        </p:spPr>
+        <p:txBody>
+          <a:bodyPr wrap="none" rtlCol="0">
+            <a:spAutoFit/>
+          </a:bodyPr>
+          <a:lstStyle/>
+          <a:p>
+            <a:r>
+              <a:rPr lang="en-US" sz="2000" dirty="0" smtClean="0">
+                <a:latin typeface="Courier"/>
+                <a:cs typeface="Courier"/>
+              </a:rPr>
+              <a:t>Node 4</a:t>
+            </a:r>
+            <a:endParaRPr lang="en-US" sz="2000" dirty="0">
+              <a:latin typeface="Courier"/>
+              <a:cs typeface="Courier"/>
+            </a:endParaRPr>
+          </a:p>
+        </p:txBody>
+      </p:sp>
+      <p:sp>
+        <p:nvSpPr>
+          <p:cNvPr id="5" name="TextBox 4"/>
+          <p:cNvSpPr txBox="1"/>
+          <p:nvPr/>
+        </p:nvSpPr>
+        <p:spPr>
+          <a:xfrm>
+            <a:off x="4273060" y="2830283"/>
+            <a:ext cx="2101130" cy="338554"/>
+          </a:xfrm>
+          <a:prstGeom prst="rect">
+            <a:avLst/>
+          </a:prstGeom>
+          <a:noFill/>
+        </p:spPr>
+        <p:txBody>
+          <a:bodyPr wrap="square" rtlCol="0">
+            <a:spAutoFit/>
+          </a:bodyPr>
+          <a:lstStyle/>
+          <a:p>
+            <a:r>
+              <a:rPr lang="en-US" sz="1600" dirty="0" smtClean="0">
+                <a:latin typeface="Courier"/>
+                <a:cs typeface="Courier"/>
+              </a:rPr>
+              <a:t>PUT “cowboy”</a:t>
+            </a:r>
+            <a:endParaRPr lang="en-US" sz="1600" dirty="0">
+              <a:latin typeface="Courier"/>
+              <a:cs typeface="Courier"/>
+            </a:endParaRPr>
+          </a:p>
+        </p:txBody>
+      </p:sp>
     </p:spTree>
     <p:extLst>
       <p:ext uri="{BB962C8B-B14F-4D97-AF65-F5344CB8AC3E}">
-        <p14:creationId xmlns:p14="http://schemas.microsoft.com/office/powerpoint/2010/main" val="286120537"/>
+        <p14:creationId xmlns:p14="http://schemas.microsoft.com/office/powerpoint/2010/main" val="2720010180"/>
       </p:ext>
     </p:extLst>
   </p:cSld>
